--- a/de.tudarmstadt.ukp.dkpro.tutorial/trunk/slides/dkproIntroUima.pptx
+++ b/de.tudarmstadt.ukp.dkpro.tutorial/trunk/slides/dkproIntroUima.pptx
@@ -272,7 +272,7 @@
             <a:fld id="{6036123C-3886-40D6-A5A6-A4791F5D3276}" type="datetimeFigureOut">
               <a:rPr lang="de-DE" smtClean="0"/>
               <a:pPr/>
-              <a:t>05.06.2013</a:t>
+              <a:t>26.08.2013</a:t>
             </a:fld>
             <a:endParaRPr lang="de-DE"/>
           </a:p>
@@ -1537,9 +1537,6 @@
               </a:rPr>
               <a:t> umgehen (es gibt das als Interface in UIMA). </a:t>
             </a:r>
-            <a:endParaRPr lang="de-DE" sz="1600" dirty="0" smtClean="0">
-              <a:effectLst/>
-            </a:endParaRPr>
           </a:p>
           <a:p>
             <a:pPr marL="0" marR="0" indent="0" algn="l" defTabSz="914400" rtl="0" eaLnBrk="0" fontAlgn="base" latinLnBrk="0" hangingPunct="0">
@@ -1586,14 +1583,7 @@
                 <a:effectLst/>
                 <a:hlinkClick r:id="rId3"/>
               </a:rPr>
-              <a:t>http</a:t>
-            </a:r>
-            <a:r>
-              <a:rPr lang="de-DE" sz="1600" dirty="0" smtClean="0">
-                <a:effectLst/>
-                <a:hlinkClick r:id="rId3"/>
-              </a:rPr>
-              <a:t>://code.google.com/p/uimafit/source/browse/trunk/uimaFIT/src/main/java/org/uimafit/component/JCasConsumer_ImplBase.java?r=801#35</a:t>
+              <a:t>http://code.google.com/p/uimafit/source/browse/trunk/uimaFIT/src/main/java/org/uimafit/component/JCasConsumer_ImplBase.java?r=801#35</a:t>
             </a:r>
             <a:endParaRPr lang="de-DE" dirty="0"/>
           </a:p>
@@ -3798,7 +3788,6 @@
               <a:rPr lang="de-DE" baseline="0" dirty="0" smtClean="0"/>
               <a:t> same span </a:t>
             </a:r>
-            <a:endParaRPr lang="de-DE" baseline="0" dirty="0" smtClean="0"/>
           </a:p>
           <a:p>
             <a:endParaRPr lang="de-DE" baseline="0" dirty="0" smtClean="0"/>
@@ -4590,36 +4579,8 @@
           </a:lstStyle>
           <a:p>
             <a:r>
-              <a:rPr lang="de-DE" dirty="0" smtClean="0"/>
-              <a:t>29.05.2013 | </a:t>
-            </a:r>
-            <a:r>
-              <a:rPr lang="de-DE" dirty="0" err="1" smtClean="0"/>
-              <a:t>PhD</a:t>
-            </a:r>
-            <a:r>
-              <a:rPr lang="de-DE" dirty="0" smtClean="0"/>
-              <a:t> </a:t>
-            </a:r>
-            <a:r>
-              <a:rPr lang="de-DE" dirty="0" err="1" smtClean="0"/>
-              <a:t>Program</a:t>
-            </a:r>
-            <a:r>
-              <a:rPr lang="de-DE" dirty="0" smtClean="0"/>
-              <a:t> KDSL | Dr. J. </a:t>
-            </a:r>
-            <a:r>
-              <a:rPr lang="de-DE" dirty="0" err="1" smtClean="0"/>
-              <a:t>Eckle</a:t>
-            </a:r>
-            <a:r>
-              <a:rPr lang="de-DE" dirty="0" smtClean="0"/>
-              <a:t>-Kohler, R. Eckart de Castilho, R. Kluge, Dr. T. </a:t>
-            </a:r>
-            <a:r>
-              <a:rPr lang="de-DE" dirty="0" err="1" smtClean="0"/>
-              <a:t>Zesch</a:t>
+              <a:rPr lang="de-DE" smtClean="0"/>
+              <a:t>29.05.2013 | Dr. J. Eckle-Kohler, R. Eckart de Castilho, R. Kluge, Dr. T. Zesch</a:t>
             </a:r>
             <a:endParaRPr lang="de-DE" dirty="0"/>
           </a:p>
@@ -5078,7 +5039,7 @@
           <a:p>
             <a:r>
               <a:rPr lang="de-DE" smtClean="0"/>
-              <a:t>29.05.2013 | PhD Program KDSL | Dr. J. Eckle-Kohler, R. Eckart de Castilho, R. Kluge, Dr. T. Zesch</a:t>
+              <a:t>29.05.2013 | Dr. J. Eckle-Kohler, R. Eckart de Castilho, R. Kluge, Dr. T. Zesch</a:t>
             </a:r>
             <a:endParaRPr lang="de-DE" dirty="0"/>
           </a:p>
@@ -6378,7 +6339,7 @@
           <a:p>
             <a:r>
               <a:rPr lang="de-DE" smtClean="0"/>
-              <a:t>29.05.2013 | PhD Program KDSL | Dr. J. Eckle-Kohler, R. Eckart de Castilho, R. Kluge, Dr. T. Zesch</a:t>
+              <a:t>29.05.2013 | Dr. J. Eckle-Kohler, R. Eckart de Castilho, R. Kluge, Dr. T. Zesch</a:t>
             </a:r>
             <a:endParaRPr lang="de-DE" dirty="0"/>
           </a:p>
@@ -7307,7 +7268,7 @@
           <a:p>
             <a:r>
               <a:rPr lang="de-DE" smtClean="0"/>
-              <a:t>29.05.2013 | PhD Program KDSL | Dr. J. Eckle-Kohler, R. Eckart de Castilho, R. Kluge, Dr. T. Zesch</a:t>
+              <a:t>29.05.2013 | Dr. J. Eckle-Kohler, R. Eckart de Castilho, R. Kluge, Dr. T. Zesch</a:t>
             </a:r>
             <a:endParaRPr lang="de-DE" dirty="0"/>
           </a:p>
@@ -7429,7 +7390,7 @@
           <a:p>
             <a:r>
               <a:rPr lang="de-DE" smtClean="0"/>
-              <a:t>29.05.2013 | PhD Program KDSL | Dr. J. Eckle-Kohler, R. Eckart de Castilho, R. Kluge, Dr. T. Zesch</a:t>
+              <a:t>29.05.2013 | Dr. J. Eckle-Kohler, R. Eckart de Castilho, R. Kluge, Dr. T. Zesch</a:t>
             </a:r>
             <a:endParaRPr lang="de-DE" dirty="0"/>
           </a:p>
@@ -7528,7 +7489,7 @@
           <a:p>
             <a:r>
               <a:rPr lang="de-DE" smtClean="0"/>
-              <a:t>29.05.2013 | PhD Program KDSL | Dr. J. Eckle-Kohler, R. Eckart de Castilho, R. Kluge, Dr. T. Zesch</a:t>
+              <a:t>29.05.2013 | Dr. J. Eckle-Kohler, R. Eckart de Castilho, R. Kluge, Dr. T. Zesch</a:t>
             </a:r>
             <a:endParaRPr lang="de-DE" dirty="0"/>
           </a:p>
@@ -8058,7 +8019,7 @@
           <a:p>
             <a:r>
               <a:rPr lang="de-DE" smtClean="0"/>
-              <a:t>29.05.2013 | PhD Program KDSL | Dr. J. Eckle-Kohler, R. Eckart de Castilho, R. Kluge, Dr. T. Zesch</a:t>
+              <a:t>29.05.2013 | Dr. J. Eckle-Kohler, R. Eckart de Castilho, R. Kluge, Dr. T. Zesch</a:t>
             </a:r>
             <a:endParaRPr lang="de-DE" dirty="0"/>
           </a:p>
@@ -8352,7 +8313,7 @@
           <a:p>
             <a:r>
               <a:rPr lang="de-DE" smtClean="0"/>
-              <a:t>29.05.2013 | PhD Program KDSL | Dr. J. Eckle-Kohler, R. Eckart de Castilho, R. Kluge, Dr. T. Zesch</a:t>
+              <a:t>29.05.2013 | Dr. J. Eckle-Kohler, R. Eckart de Castilho, R. Kluge, Dr. T. Zesch</a:t>
             </a:r>
             <a:endParaRPr lang="de-DE" dirty="0"/>
           </a:p>
@@ -8758,7 +8719,7 @@
           <a:p>
             <a:r>
               <a:rPr lang="de-DE" smtClean="0"/>
-              <a:t>29.05.2013 | PhD Program KDSL | Dr. J. Eckle-Kohler, R. Eckart de Castilho, R. Kluge, Dr. T. Zesch</a:t>
+              <a:t>29.05.2013 | Dr. J. Eckle-Kohler, R. Eckart de Castilho, R. Kluge, Dr. T. Zesch</a:t>
             </a:r>
             <a:endParaRPr lang="de-DE" dirty="0"/>
           </a:p>
@@ -9073,60 +9034,6 @@
           </a:p>
         </p:txBody>
       </p:sp>
-      <p:pic>
-        <p:nvPicPr>
-          <p:cNvPr id="1030" name="Picture 6" descr="DIPF_WBM_2z_RGB_RZ"/>
-          <p:cNvPicPr>
-            <a:picLocks noChangeAspect="1" noChangeArrowheads="1"/>
-          </p:cNvPicPr>
-          <p:nvPr/>
-        </p:nvPicPr>
-        <p:blipFill>
-          <a:blip r:embed="rId14" cstate="print">
-            <a:extLst>
-              <a:ext uri="{28A0092B-C50C-407E-A947-70E740481C1C}">
-                <a14:useLocalDpi xmlns:a14="http://schemas.microsoft.com/office/drawing/2010/main" val="0"/>
-              </a:ext>
-            </a:extLst>
-          </a:blip>
-          <a:srcRect/>
-          <a:stretch>
-            <a:fillRect/>
-          </a:stretch>
-        </p:blipFill>
-        <p:spPr bwMode="auto">
-          <a:xfrm>
-            <a:off x="6606164" y="0"/>
-            <a:ext cx="1368926" cy="683305"/>
-          </a:xfrm>
-          <a:prstGeom prst="rect">
-            <a:avLst/>
-          </a:prstGeom>
-          <a:noFill/>
-          <a:ln>
-            <a:noFill/>
-          </a:ln>
-          <a:extLst>
-            <a:ext uri="{909E8E84-426E-40DD-AFC4-6F175D3DCCD1}">
-              <a14:hiddenFill xmlns:a14="http://schemas.microsoft.com/office/drawing/2010/main">
-                <a:solidFill>
-                  <a:srgbClr val="FFFFFF"/>
-                </a:solidFill>
-              </a14:hiddenFill>
-            </a:ext>
-            <a:ext uri="{91240B29-F687-4F45-9708-019B960494DF}">
-              <a14:hiddenLine xmlns:a14="http://schemas.microsoft.com/office/drawing/2010/main" w="9525">
-                <a:solidFill>
-                  <a:srgbClr val="000000"/>
-                </a:solidFill>
-                <a:miter lim="800000"/>
-                <a:headEnd/>
-                <a:tailEnd/>
-              </a14:hiddenLine>
-            </a:ext>
-          </a:extLst>
-        </p:spPr>
-      </p:pic>
       <p:sp>
         <p:nvSpPr>
           <p:cNvPr id="1031" name="Rectangle 7"/>
@@ -9226,73 +9133,6 @@
           </a:p>
         </p:txBody>
       </p:sp>
-      <p:pic>
-        <p:nvPicPr>
-          <p:cNvPr id="10" name="Picture 5"/>
-          <p:cNvPicPr>
-            <a:picLocks noChangeAspect="1" noChangeArrowheads="1"/>
-          </p:cNvPicPr>
-          <p:nvPr/>
-        </p:nvPicPr>
-        <p:blipFill>
-          <a:blip r:embed="rId15" cstate="print"/>
-          <a:srcRect/>
-          <a:stretch>
-            <a:fillRect/>
-          </a:stretch>
-        </p:blipFill>
-        <p:spPr bwMode="auto">
-          <a:xfrm>
-            <a:off x="8179613" y="6309320"/>
-            <a:ext cx="900100" cy="440159"/>
-          </a:xfrm>
-          <a:prstGeom prst="rect">
-            <a:avLst/>
-          </a:prstGeom>
-          <a:noFill/>
-          <a:ln w="9525">
-            <a:noFill/>
-            <a:miter lim="800000"/>
-            <a:headEnd/>
-            <a:tailEnd/>
-          </a:ln>
-        </p:spPr>
-      </p:pic>
-      <p:pic>
-        <p:nvPicPr>
-          <p:cNvPr id="11" name="Bild 10" descr="tud_logo"/>
-          <p:cNvPicPr>
-            <a:picLocks noChangeAspect="1"/>
-          </p:cNvPicPr>
-          <p:nvPr/>
-        </p:nvPicPr>
-        <p:blipFill>
-          <a:blip r:embed="rId16" cstate="print">
-            <a:extLst>
-              <a:ext uri="{28A0092B-C50C-407E-A947-70E740481C1C}">
-                <a14:useLocalDpi xmlns:a14="http://schemas.microsoft.com/office/drawing/2010/main" val="0"/>
-              </a:ext>
-            </a:extLst>
-          </a:blip>
-          <a:srcRect/>
-          <a:stretch>
-            <a:fillRect/>
-          </a:stretch>
-        </p:blipFill>
-        <p:spPr bwMode="auto">
-          <a:xfrm>
-            <a:off x="7975090" y="67461"/>
-            <a:ext cx="1168910" cy="467564"/>
-          </a:xfrm>
-          <a:prstGeom prst="rect">
-            <a:avLst/>
-          </a:prstGeom>
-          <a:noFill/>
-          <a:ln>
-            <a:noFill/>
-          </a:ln>
-        </p:spPr>
-      </p:pic>
       <p:sp>
         <p:nvSpPr>
           <p:cNvPr id="4" name="Fußzeilenplatzhalter 3"/>
@@ -9326,7 +9166,7 @@
           <a:p>
             <a:r>
               <a:rPr lang="de-DE" smtClean="0"/>
-              <a:t>29.05.2013 | PhD Program KDSL | Dr. J. Eckle-Kohler, R. Eckart de Castilho, R. Kluge, Dr. T. Zesch</a:t>
+              <a:t>29.05.2013 | Dr. J. Eckle-Kohler, R. Eckart de Castilho, R. Kluge, Dr. T. Zesch</a:t>
             </a:r>
             <a:endParaRPr lang="de-DE" dirty="0"/>
           </a:p>
@@ -9921,6 +9761,36 @@
           </a:p>
         </p:txBody>
       </p:sp>
+      <p:pic>
+        <p:nvPicPr>
+          <p:cNvPr id="4" name="Grafik 3"/>
+          <p:cNvPicPr>
+            <a:picLocks noChangeAspect="1"/>
+          </p:cNvPicPr>
+          <p:nvPr/>
+        </p:nvPicPr>
+        <p:blipFill>
+          <a:blip r:embed="rId3">
+            <a:extLst>
+              <a:ext uri="{28A0092B-C50C-407E-A947-70E740481C1C}">
+                <a14:useLocalDpi xmlns:a14="http://schemas.microsoft.com/office/drawing/2010/main" val="0"/>
+              </a:ext>
+            </a:extLst>
+          </a:blip>
+          <a:stretch>
+            <a:fillRect/>
+          </a:stretch>
+        </p:blipFill>
+        <p:spPr>
+          <a:xfrm>
+            <a:off x="755576" y="5733256"/>
+            <a:ext cx="1117460" cy="393651"/>
+          </a:xfrm>
+          <a:prstGeom prst="rect">
+            <a:avLst/>
+          </a:prstGeom>
+        </p:spPr>
+      </p:pic>
     </p:spTree>
     <p:extLst>
       <p:ext uri="{BB962C8B-B14F-4D97-AF65-F5344CB8AC3E}">
@@ -10911,7 +10781,7 @@
           <a:p>
             <a:r>
               <a:rPr lang="de-DE" smtClean="0"/>
-              <a:t>29.05.2013 | PhD Program KDSL | Dr. J. Eckle-Kohler, R. Eckart de Castilho, R. Kluge, Dr. T. Zesch</a:t>
+              <a:t>29.05.2013 | Dr. J. Eckle-Kohler, R. Eckart de Castilho, R. Kluge, Dr. T. Zesch</a:t>
             </a:r>
             <a:endParaRPr lang="de-DE" dirty="0"/>
           </a:p>
@@ -11148,7 +11018,7 @@
           <a:p>
             <a:r>
               <a:rPr lang="de-DE" smtClean="0"/>
-              <a:t>29.05.2013 | PhD Program KDSL | Dr. J. Eckle-Kohler, R. Eckart de Castilho, R. Kluge, Dr. T. Zesch</a:t>
+              <a:t>29.05.2013 | Dr. J. Eckle-Kohler, R. Eckart de Castilho, R. Kluge, Dr. T. Zesch</a:t>
             </a:r>
             <a:endParaRPr lang="de-DE" dirty="0"/>
           </a:p>
@@ -11794,7 +11664,7 @@
           <a:p>
             <a:r>
               <a:rPr lang="de-DE" smtClean="0"/>
-              <a:t>29.05.2013 | PhD Program KDSL | Dr. J. Eckle-Kohler, R. Eckart de Castilho, R. Kluge, Dr. T. Zesch</a:t>
+              <a:t>29.05.2013 | Dr. J. Eckle-Kohler, R. Eckart de Castilho, R. Kluge, Dr. T. Zesch</a:t>
             </a:r>
             <a:endParaRPr lang="de-DE" dirty="0"/>
           </a:p>
@@ -12507,7 +12377,7 @@
           <a:p>
             <a:r>
               <a:rPr lang="de-DE" smtClean="0"/>
-              <a:t>29.05.2013 | PhD Program KDSL | Dr. J. Eckle-Kohler, R. Eckart de Castilho, R. Kluge, Dr. T. Zesch</a:t>
+              <a:t>29.05.2013 | Dr. J. Eckle-Kohler, R. Eckart de Castilho, R. Kluge, Dr. T. Zesch</a:t>
             </a:r>
             <a:endParaRPr lang="de-DE" dirty="0"/>
           </a:p>
@@ -12774,36 +12644,8 @@
           <a:lstStyle/>
           <a:p>
             <a:r>
-              <a:rPr lang="de-DE" dirty="0" smtClean="0"/>
-              <a:t>29.05.2013 | </a:t>
-            </a:r>
-            <a:r>
-              <a:rPr lang="de-DE" dirty="0" err="1" smtClean="0"/>
-              <a:t>PhD</a:t>
-            </a:r>
-            <a:r>
-              <a:rPr lang="de-DE" dirty="0" smtClean="0"/>
-              <a:t> </a:t>
-            </a:r>
-            <a:r>
-              <a:rPr lang="de-DE" dirty="0" err="1" smtClean="0"/>
-              <a:t>Program</a:t>
-            </a:r>
-            <a:r>
-              <a:rPr lang="de-DE" dirty="0" smtClean="0"/>
-              <a:t> KDSL | Dr. J. </a:t>
-            </a:r>
-            <a:r>
-              <a:rPr lang="de-DE" dirty="0" err="1" smtClean="0"/>
-              <a:t>Eckle</a:t>
-            </a:r>
-            <a:r>
-              <a:rPr lang="de-DE" dirty="0" smtClean="0"/>
-              <a:t>-Kohler, R. Eckart de Castilho, R. Kluge, Dr. T. </a:t>
-            </a:r>
-            <a:r>
-              <a:rPr lang="de-DE" dirty="0" err="1" smtClean="0"/>
-              <a:t>Zesch</a:t>
+              <a:rPr lang="de-DE" smtClean="0"/>
+              <a:t>29.05.2013 | Dr. J. Eckle-Kohler, R. Eckart de Castilho, R. Kluge, Dr. T. Zesch</a:t>
             </a:r>
             <a:endParaRPr lang="de-DE" dirty="0"/>
           </a:p>
@@ -13443,36 +13285,8 @@
           <a:lstStyle/>
           <a:p>
             <a:r>
-              <a:rPr lang="de-DE" dirty="0" smtClean="0"/>
-              <a:t>29.05.2013 | </a:t>
-            </a:r>
-            <a:r>
-              <a:rPr lang="de-DE" dirty="0" err="1" smtClean="0"/>
-              <a:t>PhD</a:t>
-            </a:r>
-            <a:r>
-              <a:rPr lang="de-DE" dirty="0" smtClean="0"/>
-              <a:t> </a:t>
-            </a:r>
-            <a:r>
-              <a:rPr lang="de-DE" dirty="0" err="1" smtClean="0"/>
-              <a:t>Program</a:t>
-            </a:r>
-            <a:r>
-              <a:rPr lang="de-DE" dirty="0" smtClean="0"/>
-              <a:t> KDSL | Dr. J. </a:t>
-            </a:r>
-            <a:r>
-              <a:rPr lang="de-DE" dirty="0" err="1" smtClean="0"/>
-              <a:t>Eckle</a:t>
-            </a:r>
-            <a:r>
-              <a:rPr lang="de-DE" dirty="0" smtClean="0"/>
-              <a:t>-Kohler, R. Eckart de Castilho, R. Kluge, Dr. T. </a:t>
-            </a:r>
-            <a:r>
-              <a:rPr lang="de-DE" dirty="0" err="1" smtClean="0"/>
-              <a:t>Zesch</a:t>
+              <a:rPr lang="de-DE" smtClean="0"/>
+              <a:t>29.05.2013 | Dr. J. Eckle-Kohler, R. Eckart de Castilho, R. Kluge, Dr. T. Zesch</a:t>
             </a:r>
             <a:endParaRPr lang="de-DE" dirty="0"/>
           </a:p>
@@ -15158,36 +14972,8 @@
           <a:lstStyle/>
           <a:p>
             <a:r>
-              <a:rPr lang="de-DE" dirty="0" smtClean="0"/>
-              <a:t>29.05.2013 | </a:t>
-            </a:r>
-            <a:r>
-              <a:rPr lang="de-DE" dirty="0" err="1" smtClean="0"/>
-              <a:t>PhD</a:t>
-            </a:r>
-            <a:r>
-              <a:rPr lang="de-DE" dirty="0" smtClean="0"/>
-              <a:t> </a:t>
-            </a:r>
-            <a:r>
-              <a:rPr lang="de-DE" dirty="0" err="1" smtClean="0"/>
-              <a:t>Program</a:t>
-            </a:r>
-            <a:r>
-              <a:rPr lang="de-DE" dirty="0" smtClean="0"/>
-              <a:t> KDSL | Dr. J. </a:t>
-            </a:r>
-            <a:r>
-              <a:rPr lang="de-DE" dirty="0" err="1" smtClean="0"/>
-              <a:t>Eckle</a:t>
-            </a:r>
-            <a:r>
-              <a:rPr lang="de-DE" dirty="0" smtClean="0"/>
-              <a:t>-Kohler, R. Eckart de Castilho, R. Kluge, Dr. T. </a:t>
-            </a:r>
-            <a:r>
-              <a:rPr lang="de-DE" dirty="0" err="1" smtClean="0"/>
-              <a:t>Zesch</a:t>
+              <a:rPr lang="de-DE" smtClean="0"/>
+              <a:t>29.05.2013 | Dr. J. Eckle-Kohler, R. Eckart de Castilho, R. Kluge, Dr. T. Zesch</a:t>
             </a:r>
             <a:endParaRPr lang="de-DE" dirty="0"/>
           </a:p>
@@ -16955,7 +16741,7 @@
           <a:p>
             <a:r>
               <a:rPr lang="de-DE" smtClean="0"/>
-              <a:t>29.05.2013 | PhD Program KDSL | Dr. J. Eckle-Kohler, R. Eckart de Castilho, R. Kluge, Dr. T. Zesch</a:t>
+              <a:t>29.05.2013 | Dr. J. Eckle-Kohler, R. Eckart de Castilho, R. Kluge, Dr. T. Zesch</a:t>
             </a:r>
             <a:endParaRPr lang="de-DE" dirty="0"/>
           </a:p>
@@ -18439,36 +18225,8 @@
           <a:lstStyle/>
           <a:p>
             <a:r>
-              <a:rPr lang="de-DE" dirty="0" smtClean="0"/>
-              <a:t>29.05.2013 | </a:t>
-            </a:r>
-            <a:r>
-              <a:rPr lang="de-DE" dirty="0" err="1" smtClean="0"/>
-              <a:t>PhD</a:t>
-            </a:r>
-            <a:r>
-              <a:rPr lang="de-DE" dirty="0" smtClean="0"/>
-              <a:t> </a:t>
-            </a:r>
-            <a:r>
-              <a:rPr lang="de-DE" dirty="0" err="1" smtClean="0"/>
-              <a:t>Program</a:t>
-            </a:r>
-            <a:r>
-              <a:rPr lang="de-DE" dirty="0" smtClean="0"/>
-              <a:t> KDSL | Dr. J. </a:t>
-            </a:r>
-            <a:r>
-              <a:rPr lang="de-DE" dirty="0" err="1" smtClean="0"/>
-              <a:t>Eckle</a:t>
-            </a:r>
-            <a:r>
-              <a:rPr lang="de-DE" dirty="0" smtClean="0"/>
-              <a:t>-Kohler, R. Eckart de Castilho, R. Kluge, Dr. T. </a:t>
-            </a:r>
-            <a:r>
-              <a:rPr lang="de-DE" dirty="0" err="1" smtClean="0"/>
-              <a:t>Zesch</a:t>
+              <a:rPr lang="de-DE" smtClean="0"/>
+              <a:t>29.05.2013 | Dr. J. Eckle-Kohler, R. Eckart de Castilho, R. Kluge, Dr. T. Zesch</a:t>
             </a:r>
             <a:endParaRPr lang="de-DE" dirty="0"/>
           </a:p>
@@ -18875,7 +18633,7 @@
           <a:p>
             <a:r>
               <a:rPr lang="de-DE" smtClean="0"/>
-              <a:t>29.05.2013 | PhD Program KDSL | Dr. J. Eckle-Kohler, R. Eckart de Castilho, R. Kluge, Dr. T. Zesch</a:t>
+              <a:t>29.05.2013 | Dr. J. Eckle-Kohler, R. Eckart de Castilho, R. Kluge, Dr. T. Zesch</a:t>
             </a:r>
             <a:endParaRPr lang="de-DE" dirty="0"/>
           </a:p>
@@ -18953,7 +18711,7 @@
           <a:p>
             <a:r>
               <a:rPr lang="de-DE" smtClean="0"/>
-              <a:t>29.05.2013 | PhD Program KDSL | Dr. J. Eckle-Kohler, R. Eckart de Castilho, R. Kluge, Dr. T. Zesch</a:t>
+              <a:t>29.05.2013 | Dr. J. Eckle-Kohler, R. Eckart de Castilho, R. Kluge, Dr. T. Zesch</a:t>
             </a:r>
             <a:endParaRPr lang="de-DE" dirty="0"/>
           </a:p>
@@ -20667,36 +20425,8 @@
           <a:lstStyle/>
           <a:p>
             <a:r>
-              <a:rPr lang="de-DE" dirty="0" smtClean="0"/>
-              <a:t>29.05.2013 | </a:t>
-            </a:r>
-            <a:r>
-              <a:rPr lang="de-DE" dirty="0" err="1" smtClean="0"/>
-              <a:t>PhD</a:t>
-            </a:r>
-            <a:r>
-              <a:rPr lang="de-DE" dirty="0" smtClean="0"/>
-              <a:t> </a:t>
-            </a:r>
-            <a:r>
-              <a:rPr lang="de-DE" dirty="0" err="1" smtClean="0"/>
-              <a:t>Program</a:t>
-            </a:r>
-            <a:r>
-              <a:rPr lang="de-DE" dirty="0" smtClean="0"/>
-              <a:t> KDSL | Dr. J. </a:t>
-            </a:r>
-            <a:r>
-              <a:rPr lang="de-DE" dirty="0" err="1" smtClean="0"/>
-              <a:t>Eckle</a:t>
-            </a:r>
-            <a:r>
-              <a:rPr lang="de-DE" dirty="0" smtClean="0"/>
-              <a:t>-Kohler, R. Eckart de Castilho, R. Kluge, Dr. T. </a:t>
-            </a:r>
-            <a:r>
-              <a:rPr lang="de-DE" dirty="0" err="1" smtClean="0"/>
-              <a:t>Zesch</a:t>
+              <a:rPr lang="de-DE" smtClean="0"/>
+              <a:t>29.05.2013 | Dr. J. Eckle-Kohler, R. Eckart de Castilho, R. Kluge, Dr. T. Zesch</a:t>
             </a:r>
             <a:endParaRPr lang="de-DE" dirty="0"/>
           </a:p>
@@ -22360,7 +22090,7 @@
           <a:p>
             <a:r>
               <a:rPr lang="de-DE" smtClean="0"/>
-              <a:t>29.05.2013 | PhD Program KDSL | Dr. J. Eckle-Kohler, R. Eckart de Castilho, R. Kluge, Dr. T. Zesch</a:t>
+              <a:t>29.05.2013 | Dr. J. Eckle-Kohler, R. Eckart de Castilho, R. Kluge, Dr. T. Zesch</a:t>
             </a:r>
             <a:endParaRPr lang="de-DE" dirty="0"/>
           </a:p>
@@ -22849,19 +22579,7 @@
                 </a:solidFill>
                 <a:latin typeface="Arial"/>
               </a:rPr>
-              <a:t> </a:t>
-            </a:r>
-            <a:r>
-              <a:rPr lang="de-DE" sz="2000" dirty="0" smtClean="0">
-                <a:solidFill>
-                  <a:schemeClr val="tx1">
-                    <a:lumMod val="65000"/>
-                    <a:lumOff val="35000"/>
-                  </a:schemeClr>
-                </a:solidFill>
-                <a:latin typeface="Arial"/>
-              </a:rPr>
-              <a:t>also </a:t>
+              <a:t> also </a:t>
             </a:r>
             <a:r>
               <a:rPr lang="de-DE" sz="2000" dirty="0" err="1" smtClean="0">
@@ -23708,36 +23426,8 @@
           <a:lstStyle/>
           <a:p>
             <a:r>
-              <a:rPr lang="de-DE" dirty="0" smtClean="0"/>
-              <a:t>29.05.2013 | </a:t>
-            </a:r>
-            <a:r>
-              <a:rPr lang="de-DE" dirty="0" err="1" smtClean="0"/>
-              <a:t>PhD</a:t>
-            </a:r>
-            <a:r>
-              <a:rPr lang="de-DE" dirty="0" smtClean="0"/>
-              <a:t> </a:t>
-            </a:r>
-            <a:r>
-              <a:rPr lang="de-DE" dirty="0" err="1" smtClean="0"/>
-              <a:t>Program</a:t>
-            </a:r>
-            <a:r>
-              <a:rPr lang="de-DE" dirty="0" smtClean="0"/>
-              <a:t> KDSL | Dr. J. </a:t>
-            </a:r>
-            <a:r>
-              <a:rPr lang="de-DE" dirty="0" err="1" smtClean="0"/>
-              <a:t>Eckle</a:t>
-            </a:r>
-            <a:r>
-              <a:rPr lang="de-DE" dirty="0" smtClean="0"/>
-              <a:t>-Kohler, R. Eckart de Castilho, R. Kluge, Dr. T. </a:t>
-            </a:r>
-            <a:r>
-              <a:rPr lang="de-DE" dirty="0" err="1" smtClean="0"/>
-              <a:t>Zesch</a:t>
+              <a:rPr lang="de-DE" smtClean="0"/>
+              <a:t>29.05.2013 | Dr. J. Eckle-Kohler, R. Eckart de Castilho, R. Kluge, Dr. T. Zesch</a:t>
             </a:r>
             <a:endParaRPr lang="de-DE" dirty="0"/>
           </a:p>
@@ -23817,7 +23507,7 @@
           <a:p>
             <a:r>
               <a:rPr lang="de-DE" smtClean="0"/>
-              <a:t>29.05.2013 | PhD Program KDSL | Dr. J. Eckle-Kohler, R. Eckart de Castilho, R. Kluge, Dr. T. Zesch</a:t>
+              <a:t>29.05.2013 | Dr. J. Eckle-Kohler, R. Eckart de Castilho, R. Kluge, Dr. T. Zesch</a:t>
             </a:r>
             <a:endParaRPr lang="de-DE" dirty="0"/>
           </a:p>
@@ -24987,7 +24677,7 @@
           <a:p>
             <a:r>
               <a:rPr lang="de-DE" smtClean="0"/>
-              <a:t>29.05.2013 | PhD Program KDSL | Dr. J. Eckle-Kohler, R. Eckart de Castilho, R. Kluge, Dr. T. Zesch</a:t>
+              <a:t>29.05.2013 | Dr. J. Eckle-Kohler, R. Eckart de Castilho, R. Kluge, Dr. T. Zesch</a:t>
             </a:r>
             <a:endParaRPr lang="de-DE" dirty="0"/>
           </a:p>
@@ -26650,7 +26340,7 @@
           <a:p>
             <a:r>
               <a:rPr lang="de-DE" smtClean="0"/>
-              <a:t>29.05.2013 | PhD Program KDSL | Dr. J. Eckle-Kohler, R. Eckart de Castilho, R. Kluge, Dr. T. Zesch</a:t>
+              <a:t>29.05.2013 | Dr. J. Eckle-Kohler, R. Eckart de Castilho, R. Kluge, Dr. T. Zesch</a:t>
             </a:r>
             <a:endParaRPr lang="de-DE" dirty="0"/>
           </a:p>
@@ -27909,7 +27599,7 @@
           <a:p>
             <a:r>
               <a:rPr lang="de-DE" smtClean="0"/>
-              <a:t>29.05.2013 | PhD Program KDSL | Dr. J. Eckle-Kohler, R. Eckart de Castilho, R. Kluge, Dr. T. Zesch</a:t>
+              <a:t>29.05.2013 | Dr. J. Eckle-Kohler, R. Eckart de Castilho, R. Kluge, Dr. T. Zesch</a:t>
             </a:r>
             <a:endParaRPr lang="de-DE" dirty="0"/>
           </a:p>
@@ -29285,7 +28975,7 @@
           <a:p>
             <a:r>
               <a:rPr lang="de-DE" smtClean="0"/>
-              <a:t>29.05.2013 | PhD Program KDSL | Dr. J. Eckle-Kohler, R. Eckart de Castilho, R. Kluge, Dr. T. Zesch</a:t>
+              <a:t>29.05.2013 | Dr. J. Eckle-Kohler, R. Eckart de Castilho, R. Kluge, Dr. T. Zesch</a:t>
             </a:r>
             <a:endParaRPr lang="de-DE" dirty="0"/>
           </a:p>
@@ -30717,7 +30407,7 @@
           <a:p>
             <a:r>
               <a:rPr lang="de-DE" smtClean="0"/>
-              <a:t>29.05.2013 | PhD Program KDSL | Dr. J. Eckle-Kohler, R. Eckart de Castilho, R. Kluge, Dr. T. Zesch</a:t>
+              <a:t>29.05.2013 | Dr. J. Eckle-Kohler, R. Eckart de Castilho, R. Kluge, Dr. T. Zesch</a:t>
             </a:r>
             <a:endParaRPr lang="de-DE" dirty="0"/>
           </a:p>
@@ -32100,7 +31790,7 @@
           <a:p>
             <a:r>
               <a:rPr lang="de-DE" smtClean="0"/>
-              <a:t>29.05.2013 | PhD Program KDSL | Dr. J. Eckle-Kohler, R. Eckart de Castilho, R. Kluge, Dr. T. Zesch</a:t>
+              <a:t>29.05.2013 | Dr. J. Eckle-Kohler, R. Eckart de Castilho, R. Kluge, Dr. T. Zesch</a:t>
             </a:r>
             <a:endParaRPr lang="de-DE" dirty="0"/>
           </a:p>
@@ -32481,7 +32171,7 @@
           <a:p>
             <a:r>
               <a:rPr lang="de-DE" smtClean="0"/>
-              <a:t>29.05.2013 | PhD Program KDSL | Dr. J. Eckle-Kohler, R. Eckart de Castilho, R. Kluge, Dr. T. Zesch</a:t>
+              <a:t>29.05.2013 | Dr. J. Eckle-Kohler, R. Eckart de Castilho, R. Kluge, Dr. T. Zesch</a:t>
             </a:r>
             <a:endParaRPr lang="de-DE" dirty="0"/>
           </a:p>
@@ -33390,7 +33080,7 @@
           <a:p>
             <a:r>
               <a:rPr lang="de-DE" smtClean="0"/>
-              <a:t>29.05.2013 | PhD Program KDSL | Dr. J. Eckle-Kohler, R. Eckart de Castilho, R. Kluge, Dr. T. Zesch</a:t>
+              <a:t>29.05.2013 | Dr. J. Eckle-Kohler, R. Eckart de Castilho, R. Kluge, Dr. T. Zesch</a:t>
             </a:r>
             <a:endParaRPr lang="de-DE" dirty="0"/>
           </a:p>
@@ -34890,7 +34580,7 @@
           <a:p>
             <a:r>
               <a:rPr lang="de-DE" smtClean="0"/>
-              <a:t>29.05.2013 | PhD Program KDSL | Dr. J. Eckle-Kohler, R. Eckart de Castilho, R. Kluge, Dr. T. Zesch</a:t>
+              <a:t>29.05.2013 | Dr. J. Eckle-Kohler, R. Eckart de Castilho, R. Kluge, Dr. T. Zesch</a:t>
             </a:r>
             <a:endParaRPr lang="de-DE" dirty="0"/>
           </a:p>
@@ -35993,7 +35683,7 @@
           <a:p>
             <a:r>
               <a:rPr lang="de-DE" smtClean="0"/>
-              <a:t>29.05.2013 | PhD Program KDSL | Dr. J. Eckle-Kohler, R. Eckart de Castilho, R. Kluge, Dr. T. Zesch</a:t>
+              <a:t>29.05.2013 | Dr. J. Eckle-Kohler, R. Eckart de Castilho, R. Kluge, Dr. T. Zesch</a:t>
             </a:r>
             <a:endParaRPr lang="de-DE" dirty="0"/>
           </a:p>
@@ -37093,7 +36783,7 @@
           <a:p>
             <a:r>
               <a:rPr lang="de-DE" smtClean="0"/>
-              <a:t>29.05.2013 | PhD Program KDSL | Dr. J. Eckle-Kohler, R. Eckart de Castilho, R. Kluge, Dr. T. Zesch</a:t>
+              <a:t>29.05.2013 | Dr. J. Eckle-Kohler, R. Eckart de Castilho, R. Kluge, Dr. T. Zesch</a:t>
             </a:r>
             <a:endParaRPr lang="de-DE" dirty="0"/>
           </a:p>
@@ -37324,13 +37014,7 @@
               <a:rPr lang="de-DE" dirty="0" smtClean="0">
                 <a:latin typeface="Courier New"/>
               </a:rPr>
-              <a:t>en</a:t>
-            </a:r>
-            <a:r>
-              <a:rPr lang="de-DE" dirty="0" smtClean="0">
-                <a:latin typeface="Courier New"/>
-              </a:rPr>
-              <a:t>"); // IMPORTANT!</a:t>
+              <a:t>en"); // IMPORTANT!</a:t>
             </a:r>
             <a:endParaRPr dirty="0"/>
           </a:p>
@@ -37762,36 +37446,8 @@
           <a:lstStyle/>
           <a:p>
             <a:r>
-              <a:rPr lang="de-DE" dirty="0" smtClean="0"/>
-              <a:t>29.05.2013 | </a:t>
-            </a:r>
-            <a:r>
-              <a:rPr lang="de-DE" dirty="0" err="1" smtClean="0"/>
-              <a:t>PhD</a:t>
-            </a:r>
-            <a:r>
-              <a:rPr lang="de-DE" dirty="0" smtClean="0"/>
-              <a:t> </a:t>
-            </a:r>
-            <a:r>
-              <a:rPr lang="de-DE" dirty="0" err="1" smtClean="0"/>
-              <a:t>Program</a:t>
-            </a:r>
-            <a:r>
-              <a:rPr lang="de-DE" dirty="0" smtClean="0"/>
-              <a:t> KDSL | Dr. J. </a:t>
-            </a:r>
-            <a:r>
-              <a:rPr lang="de-DE" dirty="0" err="1" smtClean="0"/>
-              <a:t>Eckle</a:t>
-            </a:r>
-            <a:r>
-              <a:rPr lang="de-DE" dirty="0" smtClean="0"/>
-              <a:t>-Kohler, R. Eckart de Castilho, R. Kluge, Dr. T. </a:t>
-            </a:r>
-            <a:r>
-              <a:rPr lang="de-DE" dirty="0" err="1" smtClean="0"/>
-              <a:t>Zesch</a:t>
+              <a:rPr lang="de-DE" smtClean="0"/>
+              <a:t>29.05.2013 | Dr. J. Eckle-Kohler, R. Eckart de Castilho, R. Kluge, Dr. T. Zesch</a:t>
             </a:r>
             <a:endParaRPr lang="de-DE" dirty="0"/>
           </a:p>
@@ -38533,7 +38189,7 @@
           <a:p>
             <a:r>
               <a:rPr lang="de-DE" smtClean="0"/>
-              <a:t>29.05.2013 | PhD Program KDSL | Dr. J. Eckle-Kohler, R. Eckart de Castilho, R. Kluge, Dr. T. Zesch</a:t>
+              <a:t>29.05.2013 | Dr. J. Eckle-Kohler, R. Eckart de Castilho, R. Kluge, Dr. T. Zesch</a:t>
             </a:r>
             <a:endParaRPr lang="de-DE" dirty="0"/>
           </a:p>
@@ -39790,7 +39446,7 @@
           <a:p>
             <a:r>
               <a:rPr lang="de-DE" smtClean="0"/>
-              <a:t>29.05.2013 | PhD Program KDSL | Dr. J. Eckle-Kohler, R. Eckart de Castilho, R. Kluge, Dr. T. Zesch</a:t>
+              <a:t>29.05.2013 | Dr. J. Eckle-Kohler, R. Eckart de Castilho, R. Kluge, Dr. T. Zesch</a:t>
             </a:r>
             <a:endParaRPr lang="de-DE" dirty="0"/>
           </a:p>
@@ -41623,36 +41279,8 @@
           <a:lstStyle/>
           <a:p>
             <a:r>
-              <a:rPr lang="de-DE" dirty="0" smtClean="0"/>
-              <a:t>29.05.2013 | </a:t>
-            </a:r>
-            <a:r>
-              <a:rPr lang="de-DE" dirty="0" err="1" smtClean="0"/>
-              <a:t>PhD</a:t>
-            </a:r>
-            <a:r>
-              <a:rPr lang="de-DE" dirty="0" smtClean="0"/>
-              <a:t> </a:t>
-            </a:r>
-            <a:r>
-              <a:rPr lang="de-DE" dirty="0" err="1" smtClean="0"/>
-              <a:t>Program</a:t>
-            </a:r>
-            <a:r>
-              <a:rPr lang="de-DE" dirty="0" smtClean="0"/>
-              <a:t> KDSL | Dr. J. </a:t>
-            </a:r>
-            <a:r>
-              <a:rPr lang="de-DE" dirty="0" err="1" smtClean="0"/>
-              <a:t>Eckle</a:t>
-            </a:r>
-            <a:r>
-              <a:rPr lang="de-DE" dirty="0" smtClean="0"/>
-              <a:t>-Kohler, R. Eckart de Castilho, R. Kluge, Dr. T. </a:t>
-            </a:r>
-            <a:r>
-              <a:rPr lang="de-DE" dirty="0" err="1" smtClean="0"/>
-              <a:t>Zesch</a:t>
+              <a:rPr lang="de-DE" smtClean="0"/>
+              <a:t>29.05.2013 | Dr. J. Eckle-Kohler, R. Eckart de Castilho, R. Kluge, Dr. T. Zesch</a:t>
             </a:r>
             <a:endParaRPr lang="de-DE" dirty="0"/>
           </a:p>
@@ -42017,6 +41645,98 @@
               </a:rPr>
               <a:t>?</a:t>
             </a:r>
+          </a:p>
+          <a:p>
+            <a:r>
+              <a:rPr lang="en-US" sz="2000" dirty="0">
+                <a:solidFill>
+                  <a:schemeClr val="tx1">
+                    <a:lumMod val="65000"/>
+                    <a:lumOff val="35000"/>
+                  </a:schemeClr>
+                </a:solidFill>
+              </a:rPr>
+              <a:t>What is the basic structure of </a:t>
+            </a:r>
+            <a:r>
+              <a:rPr lang="en-US" sz="2000" dirty="0" smtClean="0">
+                <a:solidFill>
+                  <a:schemeClr val="tx1">
+                    <a:lumMod val="65000"/>
+                    <a:lumOff val="35000"/>
+                  </a:schemeClr>
+                </a:solidFill>
+              </a:rPr>
+              <a:t>UIMA-based </a:t>
+            </a:r>
+            <a:r>
+              <a:rPr lang="en-US" sz="2000" dirty="0">
+                <a:solidFill>
+                  <a:schemeClr val="tx1">
+                    <a:lumMod val="65000"/>
+                    <a:lumOff val="35000"/>
+                  </a:schemeClr>
+                </a:solidFill>
+              </a:rPr>
+              <a:t>projects</a:t>
+            </a:r>
+            <a:r>
+              <a:rPr lang="en-US" sz="2000" dirty="0" smtClean="0">
+                <a:solidFill>
+                  <a:schemeClr val="tx1">
+                    <a:lumMod val="65000"/>
+                    <a:lumOff val="35000"/>
+                  </a:schemeClr>
+                </a:solidFill>
+              </a:rPr>
+              <a:t>?</a:t>
+            </a:r>
+          </a:p>
+          <a:p>
+            <a:r>
+              <a:rPr lang="de-DE" sz="2000" dirty="0" err="1">
+                <a:solidFill>
+                  <a:schemeClr val="tx1">
+                    <a:lumMod val="65000"/>
+                    <a:lumOff val="35000"/>
+                  </a:schemeClr>
+                </a:solidFill>
+              </a:rPr>
+              <a:t>What</a:t>
+            </a:r>
+            <a:r>
+              <a:rPr lang="de-DE" sz="2000" dirty="0">
+                <a:solidFill>
+                  <a:schemeClr val="tx1">
+                    <a:lumMod val="65000"/>
+                    <a:lumOff val="35000"/>
+                  </a:schemeClr>
+                </a:solidFill>
+              </a:rPr>
+              <a:t> </a:t>
+            </a:r>
+            <a:r>
+              <a:rPr lang="de-DE" sz="2000" dirty="0" err="1">
+                <a:solidFill>
+                  <a:schemeClr val="tx1">
+                    <a:lumMod val="65000"/>
+                    <a:lumOff val="35000"/>
+                  </a:schemeClr>
+                </a:solidFill>
+              </a:rPr>
+              <a:t>is</a:t>
+            </a:r>
+            <a:r>
+              <a:rPr lang="de-DE" sz="2000" dirty="0">
+                <a:solidFill>
+                  <a:schemeClr val="tx1">
+                    <a:lumMod val="65000"/>
+                    <a:lumOff val="35000"/>
+                  </a:schemeClr>
+                </a:solidFill>
+              </a:rPr>
+              <a:t> an Annotation? </a:t>
+            </a:r>
             <a:endParaRPr lang="de-DE" sz="2000" dirty="0" smtClean="0">
               <a:solidFill>
                 <a:schemeClr val="tx1">
@@ -42036,106 +41756,6 @@
                   </a:schemeClr>
                 </a:solidFill>
               </a:rPr>
-              <a:t>What is the basic structure of </a:t>
-            </a:r>
-            <a:r>
-              <a:rPr lang="en-US" sz="2000" dirty="0" smtClean="0">
-                <a:solidFill>
-                  <a:schemeClr val="tx1">
-                    <a:lumMod val="65000"/>
-                    <a:lumOff val="35000"/>
-                  </a:schemeClr>
-                </a:solidFill>
-              </a:rPr>
-              <a:t>UIMA-based </a:t>
-            </a:r>
-            <a:r>
-              <a:rPr lang="en-US" sz="2000" dirty="0">
-                <a:solidFill>
-                  <a:schemeClr val="tx1">
-                    <a:lumMod val="65000"/>
-                    <a:lumOff val="35000"/>
-                  </a:schemeClr>
-                </a:solidFill>
-              </a:rPr>
-              <a:t>projects</a:t>
-            </a:r>
-            <a:r>
-              <a:rPr lang="en-US" sz="2000" dirty="0" smtClean="0">
-                <a:solidFill>
-                  <a:schemeClr val="tx1">
-                    <a:lumMod val="65000"/>
-                    <a:lumOff val="35000"/>
-                  </a:schemeClr>
-                </a:solidFill>
-              </a:rPr>
-              <a:t>?</a:t>
-            </a:r>
-          </a:p>
-          <a:p>
-            <a:r>
-              <a:rPr lang="de-DE" sz="2000" dirty="0" err="1">
-                <a:solidFill>
-                  <a:schemeClr val="tx1">
-                    <a:lumMod val="65000"/>
-                    <a:lumOff val="35000"/>
-                  </a:schemeClr>
-                </a:solidFill>
-              </a:rPr>
-              <a:t>What</a:t>
-            </a:r>
-            <a:r>
-              <a:rPr lang="de-DE" sz="2000" dirty="0">
-                <a:solidFill>
-                  <a:schemeClr val="tx1">
-                    <a:lumMod val="65000"/>
-                    <a:lumOff val="35000"/>
-                  </a:schemeClr>
-                </a:solidFill>
-              </a:rPr>
-              <a:t> </a:t>
-            </a:r>
-            <a:r>
-              <a:rPr lang="de-DE" sz="2000" dirty="0" err="1">
-                <a:solidFill>
-                  <a:schemeClr val="tx1">
-                    <a:lumMod val="65000"/>
-                    <a:lumOff val="35000"/>
-                  </a:schemeClr>
-                </a:solidFill>
-              </a:rPr>
-              <a:t>is</a:t>
-            </a:r>
-            <a:r>
-              <a:rPr lang="de-DE" sz="2000" dirty="0">
-                <a:solidFill>
-                  <a:schemeClr val="tx1">
-                    <a:lumMod val="65000"/>
-                    <a:lumOff val="35000"/>
-                  </a:schemeClr>
-                </a:solidFill>
-              </a:rPr>
-              <a:t> an Annotation? </a:t>
-            </a:r>
-            <a:endParaRPr lang="de-DE" sz="2000" dirty="0" smtClean="0">
-              <a:solidFill>
-                <a:schemeClr val="tx1">
-                  <a:lumMod val="65000"/>
-                  <a:lumOff val="35000"/>
-                </a:schemeClr>
-              </a:solidFill>
-            </a:endParaRPr>
-          </a:p>
-          <a:p>
-            <a:r>
-              <a:rPr lang="en-US" sz="2000" dirty="0">
-                <a:solidFill>
-                  <a:schemeClr val="tx1">
-                    <a:lumMod val="65000"/>
-                    <a:lumOff val="35000"/>
-                  </a:schemeClr>
-                </a:solidFill>
-              </a:rPr>
               <a:t>How do you create a new annotation type? </a:t>
             </a:r>
             <a:endParaRPr lang="en-US" sz="2000" dirty="0" smtClean="0">
@@ -42269,29 +41889,7 @@
                   </a:schemeClr>
                 </a:solidFill>
               </a:rPr>
-              <a:t>How </a:t>
-            </a:r>
-            <a:r>
-              <a:rPr lang="en-US" sz="2000" dirty="0" smtClean="0">
-                <a:solidFill>
-                  <a:schemeClr val="tx1">
-                    <a:lumMod val="65000"/>
-                    <a:lumOff val="35000"/>
-                  </a:schemeClr>
-                </a:solidFill>
-              </a:rPr>
-              <a:t>to implement a Collection Reader? (Annotator, CAS Consumer</a:t>
-            </a:r>
-            <a:r>
-              <a:rPr lang="en-US" sz="2000" dirty="0" smtClean="0">
-                <a:solidFill>
-                  <a:schemeClr val="tx1">
-                    <a:lumMod val="65000"/>
-                    <a:lumOff val="35000"/>
-                  </a:schemeClr>
-                </a:solidFill>
-              </a:rPr>
-              <a:t>)</a:t>
+              <a:t>How to implement a Collection Reader? (Annotator, CAS Consumer)</a:t>
             </a:r>
           </a:p>
           <a:p>
@@ -42384,7 +41982,7 @@
           <a:p>
             <a:r>
               <a:rPr lang="de-DE" smtClean="0"/>
-              <a:t>29.05.2013 | PhD Program KDSL | Dr. J. Eckle-Kohler, R. Eckart de Castilho, R. Kluge, Dr. T. Zesch</a:t>
+              <a:t>29.05.2013 | Dr. J. Eckle-Kohler, R. Eckart de Castilho, R. Kluge, Dr. T. Zesch</a:t>
             </a:r>
             <a:endParaRPr lang="de-DE" dirty="0"/>
           </a:p>
@@ -43655,36 +43253,8 @@
           <a:lstStyle/>
           <a:p>
             <a:r>
-              <a:rPr lang="de-DE" dirty="0" smtClean="0"/>
-              <a:t>29.05.2013 | </a:t>
-            </a:r>
-            <a:r>
-              <a:rPr lang="de-DE" dirty="0" err="1" smtClean="0"/>
-              <a:t>PhD</a:t>
-            </a:r>
-            <a:r>
-              <a:rPr lang="de-DE" dirty="0" smtClean="0"/>
-              <a:t> </a:t>
-            </a:r>
-            <a:r>
-              <a:rPr lang="de-DE" dirty="0" err="1" smtClean="0"/>
-              <a:t>Program</a:t>
-            </a:r>
-            <a:r>
-              <a:rPr lang="de-DE" dirty="0" smtClean="0"/>
-              <a:t> KDSL | Dr. J. </a:t>
-            </a:r>
-            <a:r>
-              <a:rPr lang="de-DE" dirty="0" err="1" smtClean="0"/>
-              <a:t>Eckle</a:t>
-            </a:r>
-            <a:r>
-              <a:rPr lang="de-DE" dirty="0" smtClean="0"/>
-              <a:t>-Kohler, R. Eckart de Castilho, R. Kluge, Dr. T. </a:t>
-            </a:r>
-            <a:r>
-              <a:rPr lang="de-DE" dirty="0" err="1" smtClean="0"/>
-              <a:t>Zesch</a:t>
+              <a:rPr lang="de-DE" smtClean="0"/>
+              <a:t>29.05.2013 | Dr. J. Eckle-Kohler, R. Eckart de Castilho, R. Kluge, Dr. T. Zesch</a:t>
             </a:r>
             <a:endParaRPr lang="de-DE" dirty="0"/>
           </a:p>
@@ -44390,7 +43960,7 @@
           <a:p>
             <a:r>
               <a:rPr lang="de-DE" smtClean="0"/>
-              <a:t>29.05.2013 | PhD Program KDSL | Dr. J. Eckle-Kohler, R. Eckart de Castilho, R. Kluge, Dr. T. Zesch</a:t>
+              <a:t>29.05.2013 | Dr. J. Eckle-Kohler, R. Eckart de Castilho, R. Kluge, Dr. T. Zesch</a:t>
             </a:r>
             <a:endParaRPr lang="de-DE" dirty="0"/>
           </a:p>
@@ -45136,7 +44706,7 @@
           <a:p>
             <a:r>
               <a:rPr lang="de-DE" smtClean="0"/>
-              <a:t>29.05.2013 | PhD Program KDSL | Dr. J. Eckle-Kohler, R. Eckart de Castilho, R. Kluge, Dr. T. Zesch</a:t>
+              <a:t>29.05.2013 | Dr. J. Eckle-Kohler, R. Eckart de Castilho, R. Kluge, Dr. T. Zesch</a:t>
             </a:r>
             <a:endParaRPr lang="de-DE" dirty="0"/>
           </a:p>
@@ -45604,7 +45174,7 @@
           <a:p>
             <a:r>
               <a:rPr lang="de-DE" smtClean="0"/>
-              <a:t>29.05.2013 | PhD Program KDSL | Dr. J. Eckle-Kohler, R. Eckart de Castilho, R. Kluge, Dr. T. Zesch</a:t>
+              <a:t>29.05.2013 | Dr. J. Eckle-Kohler, R. Eckart de Castilho, R. Kluge, Dr. T. Zesch</a:t>
             </a:r>
             <a:endParaRPr lang="de-DE" dirty="0"/>
           </a:p>
@@ -46481,7 +46051,7 @@
           <a:p>
             <a:r>
               <a:rPr lang="de-DE" smtClean="0"/>
-              <a:t>29.05.2013 | PhD Program KDSL | Dr. J. Eckle-Kohler, R. Eckart de Castilho, R. Kluge, Dr. T. Zesch</a:t>
+              <a:t>29.05.2013 | Dr. J. Eckle-Kohler, R. Eckart de Castilho, R. Kluge, Dr. T. Zesch</a:t>
             </a:r>
             <a:endParaRPr lang="de-DE" dirty="0"/>
           </a:p>
@@ -46935,7 +46505,7 @@
           <a:p>
             <a:r>
               <a:rPr lang="de-DE" smtClean="0"/>
-              <a:t>29.05.2013 | PhD Program KDSL | Dr. J. Eckle-Kohler, R. Eckart de Castilho, R. Kluge, Dr. T. Zesch</a:t>
+              <a:t>29.05.2013 | Dr. J. Eckle-Kohler, R. Eckart de Castilho, R. Kluge, Dr. T. Zesch</a:t>
             </a:r>
             <a:endParaRPr lang="de-DE" dirty="0"/>
           </a:p>
@@ -47714,7 +47284,7 @@
           <a:p>
             <a:r>
               <a:rPr lang="de-DE" smtClean="0"/>
-              <a:t>29.05.2013 | PhD Program KDSL | Dr. J. Eckle-Kohler, R. Eckart de Castilho, R. Kluge, Dr. T. Zesch</a:t>
+              <a:t>29.05.2013 | Dr. J. Eckle-Kohler, R. Eckart de Castilho, R. Kluge, Dr. T. Zesch</a:t>
             </a:r>
             <a:endParaRPr lang="de-DE" dirty="0"/>
           </a:p>
@@ -48638,7 +48208,7 @@
           <a:p>
             <a:r>
               <a:rPr lang="de-DE" smtClean="0"/>
-              <a:t>29.05.2013 | PhD Program KDSL | Dr. J. Eckle-Kohler, R. Eckart de Castilho, R. Kluge, Dr. T. Zesch</a:t>
+              <a:t>29.05.2013 | Dr. J. Eckle-Kohler, R. Eckart de Castilho, R. Kluge, Dr. T. Zesch</a:t>
             </a:r>
             <a:endParaRPr lang="de-DE" dirty="0"/>
           </a:p>
@@ -49370,7 +48940,7 @@
           <a:p>
             <a:r>
               <a:rPr lang="de-DE" smtClean="0"/>
-              <a:t>29.05.2013 | PhD Program KDSL | Dr. J. Eckle-Kohler, R. Eckart de Castilho, R. Kluge, Dr. T. Zesch</a:t>
+              <a:t>29.05.2013 | Dr. J. Eckle-Kohler, R. Eckart de Castilho, R. Kluge, Dr. T. Zesch</a:t>
             </a:r>
             <a:endParaRPr lang="de-DE" dirty="0"/>
           </a:p>
